--- a/04-Data-Types.pptx
+++ b/04-Data-Types.pptx
@@ -1267,6 +1267,13 @@
   <p:clrMapOvr>
     <a:masterClrMapping/>
   </p:clrMapOvr>
+  <p:timing>
+    <p:tnLst>
+      <p:par>
+        <p:cTn id="1" dur="indefinite" restart="never" nodeType="tmRoot"/>
+      </p:par>
+    </p:tnLst>
+  </p:timing>
 </p:sld>
 </file>
 
@@ -1313,15 +1320,7 @@
                   <a:schemeClr val="accent6"/>
                 </a:solidFill>
               </a:rPr>
-              <a:t>Аритметични </a:t>
-            </a:r>
-            <a:r>
-              <a:rPr lang="bg-BG" dirty="0" smtClean="0">
-                <a:solidFill>
-                  <a:schemeClr val="accent6"/>
-                </a:solidFill>
-              </a:rPr>
-              <a:t>оператори</a:t>
+              <a:t>Аритметични оператори</a:t>
             </a:r>
             <a:endParaRPr lang="bg-BG" dirty="0">
               <a:solidFill>
@@ -2012,17 +2011,7 @@
                   </a:schemeClr>
                 </a:solidFill>
               </a:rPr>
-              <a:t>Низовете </a:t>
-            </a:r>
-            <a:r>
-              <a:rPr lang="bg-BG" dirty="0" smtClean="0">
-                <a:solidFill>
-                  <a:schemeClr val="bg1">
-                    <a:lumMod val="95000"/>
-                  </a:schemeClr>
-                </a:solidFill>
-              </a:rPr>
-              <a:t>(стрингове) могат да се долепят чрез конкатенация</a:t>
+              <a:t>Низовете (стрингове) могат да се долепят чрез конкатенация</a:t>
             </a:r>
             <a:r>
               <a:rPr lang="en-US" dirty="0" smtClean="0">
@@ -2306,7 +2295,7 @@
                   </a:schemeClr>
                 </a:solidFill>
               </a:rPr>
-              <a:t>JAVA</a:t>
+              <a:t>C#</a:t>
             </a:r>
             <a:r>
               <a:rPr lang="bg-BG" sz="2800" dirty="0" smtClean="0">
@@ -2316,7 +2305,17 @@
                   </a:schemeClr>
                 </a:solidFill>
               </a:rPr>
-              <a:t> се извършва с операторите за сравнение:</a:t>
+              <a:t> </a:t>
+            </a:r>
+            <a:r>
+              <a:rPr lang="bg-BG" sz="2800" dirty="0" smtClean="0">
+                <a:solidFill>
+                  <a:schemeClr val="bg1">
+                    <a:lumMod val="95000"/>
+                  </a:schemeClr>
+                </a:solidFill>
+              </a:rPr>
+              <a:t>се извършва с операторите за сравнение:</a:t>
             </a:r>
           </a:p>
           <a:p>
@@ -2438,14 +2437,24 @@
               <a:t>Резултатът от сравнението винаги е </a:t>
             </a:r>
             <a:r>
-              <a:rPr lang="en-US" sz="2800" dirty="0" err="1" smtClean="0">
-                <a:solidFill>
-                  <a:schemeClr val="bg1">
-                    <a:lumMod val="95000"/>
-                  </a:schemeClr>
-                </a:solidFill>
-              </a:rPr>
-              <a:t>boolean</a:t>
+              <a:rPr lang="en-US" sz="2800" dirty="0" smtClean="0">
+                <a:solidFill>
+                  <a:schemeClr val="bg1">
+                    <a:lumMod val="95000"/>
+                  </a:schemeClr>
+                </a:solidFill>
+              </a:rPr>
+              <a:t>Boolean </a:t>
+            </a:r>
+            <a:r>
+              <a:rPr lang="en-US" sz="2800" smtClean="0">
+                <a:solidFill>
+                  <a:schemeClr val="bg1">
+                    <a:lumMod val="95000"/>
+                  </a:schemeClr>
+                </a:solidFill>
+              </a:rPr>
+              <a:t>(true/false)</a:t>
             </a:r>
             <a:endParaRPr lang="en-US" sz="2800" dirty="0">
               <a:solidFill>
@@ -2644,15 +2653,7 @@
                   <a:schemeClr val="accent6"/>
                 </a:solidFill>
               </a:rPr>
-              <a:t>Логически </a:t>
-            </a:r>
-            <a:r>
-              <a:rPr lang="bg-BG" dirty="0" smtClean="0">
-                <a:solidFill>
-                  <a:schemeClr val="accent6"/>
-                </a:solidFill>
-              </a:rPr>
-              <a:t>оператори</a:t>
+              <a:t>Логически оператори</a:t>
             </a:r>
             <a:endParaRPr lang="bg-BG" dirty="0">
               <a:solidFill>
@@ -3738,6 +3739,13 @@
   <p:clrMapOvr>
     <a:masterClrMapping/>
   </p:clrMapOvr>
+  <p:timing>
+    <p:tnLst>
+      <p:par>
+        <p:cTn id="1" dur="indefinite" restart="never" nodeType="tmRoot"/>
+      </p:par>
+    </p:tnLst>
+  </p:timing>
 </p:sld>
 </file>
 
@@ -3959,6 +3967,13 @@
   <p:clrMapOvr>
     <a:masterClrMapping/>
   </p:clrMapOvr>
+  <p:timing>
+    <p:tnLst>
+      <p:par>
+        <p:cTn id="1" dur="indefinite" restart="never" nodeType="tmRoot"/>
+      </p:par>
+    </p:tnLst>
+  </p:timing>
 </p:sld>
 </file>
 
@@ -4086,6 +4101,13 @@
   <p:clrMapOvr>
     <a:masterClrMapping/>
   </p:clrMapOvr>
+  <p:timing>
+    <p:tnLst>
+      <p:par>
+        <p:cTn id="1" dur="indefinite" restart="never" nodeType="tmRoot"/>
+      </p:par>
+    </p:tnLst>
+  </p:timing>
 </p:sld>
 </file>
 
@@ -5386,6 +5408,13 @@
   <p:clrMapOvr>
     <a:masterClrMapping/>
   </p:clrMapOvr>
+  <p:timing>
+    <p:tnLst>
+      <p:par>
+        <p:cTn id="1" dur="indefinite" restart="never" nodeType="tmRoot"/>
+      </p:par>
+    </p:tnLst>
+  </p:timing>
 </p:sld>
 </file>
 
@@ -5468,6 +5497,13 @@
   <p:clrMapOvr>
     <a:masterClrMapping/>
   </p:clrMapOvr>
+  <p:timing>
+    <p:tnLst>
+      <p:par>
+        <p:cTn id="1" dur="indefinite" restart="never" nodeType="tmRoot"/>
+      </p:par>
+    </p:tnLst>
+  </p:timing>
 </p:sld>
 </file>
 

--- a/04-Data-Types.pptx
+++ b/04-Data-Types.pptx
@@ -5,7 +5,7 @@
     <p:sldMasterId id="2147483648" r:id="rId1"/>
   </p:sldMasterIdLst>
   <p:notesMasterIdLst>
-    <p:notesMasterId r:id="rId21"/>
+    <p:notesMasterId r:id="rId22"/>
   </p:notesMasterIdLst>
   <p:sldIdLst>
     <p:sldId id="256" r:id="rId2"/>
@@ -27,6 +27,7 @@
     <p:sldId id="272" r:id="rId18"/>
     <p:sldId id="273" r:id="rId19"/>
     <p:sldId id="274" r:id="rId20"/>
+    <p:sldId id="275" r:id="rId21"/>
   </p:sldIdLst>
   <p:sldSz cx="9144000" cy="6858000" type="screen4x3"/>
   <p:notesSz cx="6858000" cy="9144000"/>
@@ -2444,17 +2445,7 @@
                   </a:schemeClr>
                 </a:solidFill>
               </a:rPr>
-              <a:t>Boolean </a:t>
-            </a:r>
-            <a:r>
-              <a:rPr lang="en-US" sz="2800" smtClean="0">
-                <a:solidFill>
-                  <a:schemeClr val="bg1">
-                    <a:lumMod val="95000"/>
-                  </a:schemeClr>
-                </a:solidFill>
-              </a:rPr>
-              <a:t>(true/false)</a:t>
+              <a:t>Boolean (true/false)</a:t>
             </a:r>
             <a:endParaRPr lang="en-US" sz="2800" dirty="0">
               <a:solidFill>
@@ -3733,6 +3724,220 @@
     <p:extLst>
       <p:ext uri="{BB962C8B-B14F-4D97-AF65-F5344CB8AC3E}">
         <p14:creationId xmlns:p14="http://schemas.microsoft.com/office/powerpoint/2010/main" val="2100559483"/>
+      </p:ext>
+    </p:extLst>
+  </p:cSld>
+  <p:clrMapOvr>
+    <a:masterClrMapping/>
+  </p:clrMapOvr>
+  <p:timing>
+    <p:tnLst>
+      <p:par>
+        <p:cTn id="1" dur="indefinite" restart="never" nodeType="tmRoot"/>
+      </p:par>
+    </p:tnLst>
+  </p:timing>
+</p:sld>
+</file>
+
+<file path=ppt/slides/slide20.xml><?xml version="1.0" encoding="utf-8"?>
+<p:sld xmlns:a="http://schemas.openxmlformats.org/drawingml/2006/main" xmlns:r="http://schemas.openxmlformats.org/officeDocument/2006/relationships" xmlns:p="http://schemas.openxmlformats.org/presentationml/2006/main">
+  <p:cSld>
+    <p:spTree>
+      <p:nvGrpSpPr>
+        <p:cNvPr id="1" name=""/>
+        <p:cNvGrpSpPr/>
+        <p:nvPr/>
+      </p:nvGrpSpPr>
+      <p:grpSpPr>
+        <a:xfrm>
+          <a:off x="0" y="0"/>
+          <a:ext cx="0" cy="0"/>
+          <a:chOff x="0" y="0"/>
+          <a:chExt cx="0" cy="0"/>
+        </a:xfrm>
+      </p:grpSpPr>
+      <p:sp>
+        <p:nvSpPr>
+          <p:cNvPr id="2" name="Title 1"/>
+          <p:cNvSpPr>
+            <a:spLocks noGrp="1"/>
+          </p:cNvSpPr>
+          <p:nvPr>
+            <p:ph type="title"/>
+          </p:nvPr>
+        </p:nvSpPr>
+        <p:spPr>
+          <a:xfrm>
+            <a:off x="838200" y="685800"/>
+            <a:ext cx="8229600" cy="1143000"/>
+          </a:xfrm>
+        </p:spPr>
+        <p:txBody>
+          <a:bodyPr/>
+          <a:lstStyle/>
+          <a:p>
+            <a:pPr algn="l"/>
+            <a:r>
+              <a:rPr lang="bg-BG" dirty="0" smtClean="0">
+                <a:solidFill>
+                  <a:schemeClr val="accent6"/>
+                </a:solidFill>
+              </a:rPr>
+              <a:t>Задачи за домашна работа</a:t>
+            </a:r>
+            <a:endParaRPr lang="bg-BG" dirty="0">
+              <a:solidFill>
+                <a:schemeClr val="accent6"/>
+              </a:solidFill>
+            </a:endParaRPr>
+          </a:p>
+        </p:txBody>
+      </p:sp>
+      <p:sp>
+        <p:nvSpPr>
+          <p:cNvPr id="3" name="Content Placeholder 2"/>
+          <p:cNvSpPr>
+            <a:spLocks noGrp="1"/>
+          </p:cNvSpPr>
+          <p:nvPr>
+            <p:ph idx="1"/>
+          </p:nvPr>
+        </p:nvSpPr>
+        <p:spPr>
+          <a:xfrm>
+            <a:off x="762000" y="1676400"/>
+            <a:ext cx="7620000" cy="4648200"/>
+          </a:xfrm>
+        </p:spPr>
+        <p:txBody>
+          <a:bodyPr>
+            <a:normAutofit/>
+          </a:bodyPr>
+          <a:lstStyle/>
+          <a:p>
+            <a:pPr>
+              <a:buFont typeface="Wingdings" panose="05000000000000000000" pitchFamily="2" charset="2"/>
+              <a:buChar char="§"/>
+            </a:pPr>
+            <a:r>
+              <a:rPr lang="ru-RU" sz="2000" dirty="0" smtClean="0">
+                <a:solidFill>
+                  <a:schemeClr val="bg1">
+                    <a:lumMod val="95000"/>
+                  </a:schemeClr>
+                </a:solidFill>
+              </a:rPr>
+              <a:t>Напишете програма, която приема реално число като вход, и изкарва на конзолата резултата от делението му с цяло число.</a:t>
+            </a:r>
+          </a:p>
+          <a:p>
+            <a:pPr>
+              <a:buFont typeface="Wingdings" panose="05000000000000000000" pitchFamily="2" charset="2"/>
+              <a:buChar char="§"/>
+            </a:pPr>
+            <a:r>
+              <a:rPr lang="bg-BG" sz="2000" dirty="0" smtClean="0">
+                <a:solidFill>
+                  <a:schemeClr val="bg1">
+                    <a:lumMod val="95000"/>
+                  </a:schemeClr>
+                </a:solidFill>
+              </a:rPr>
+              <a:t>Напишете програма, която приема два стринга като вход. След това проверява дали 2рия стринг се съдържа в 1вия. Покажете резултата от проверката на конзолата.</a:t>
+            </a:r>
+            <a:r>
+              <a:rPr lang="bg-BG" sz="2000" dirty="0">
+                <a:solidFill>
+                  <a:srgbClr val="FF0000"/>
+                </a:solidFill>
+              </a:rPr>
+              <a:t> </a:t>
+            </a:r>
+            <a:r>
+              <a:rPr lang="bg-BG" sz="4000" dirty="0" smtClean="0">
+                <a:solidFill>
+                  <a:srgbClr val="FF0000"/>
+                </a:solidFill>
+              </a:rPr>
+              <a:t>*</a:t>
+            </a:r>
+            <a:endParaRPr lang="en-US" sz="2000" dirty="0" smtClean="0">
+              <a:solidFill>
+                <a:schemeClr val="bg1">
+                  <a:lumMod val="95000"/>
+                </a:schemeClr>
+              </a:solidFill>
+            </a:endParaRPr>
+          </a:p>
+          <a:p>
+            <a:pPr>
+              <a:buFont typeface="Wingdings" panose="05000000000000000000" pitchFamily="2" charset="2"/>
+              <a:buChar char="§"/>
+            </a:pPr>
+            <a:r>
+              <a:rPr lang="ru-RU" sz="2000" dirty="0" smtClean="0">
+                <a:solidFill>
+                  <a:schemeClr val="bg1">
+                    <a:lumMod val="95000"/>
+                  </a:schemeClr>
+                </a:solidFill>
+              </a:rPr>
+              <a:t>Напишете програма, която приема стринг от конзолата, и извежда </a:t>
+            </a:r>
+            <a:r>
+              <a:rPr lang="en-US" sz="2000" dirty="0" smtClean="0">
+                <a:solidFill>
+                  <a:schemeClr val="bg1">
+                    <a:lumMod val="95000"/>
+                  </a:schemeClr>
+                </a:solidFill>
+              </a:rPr>
+              <a:t>N</a:t>
+            </a:r>
+            <a:r>
+              <a:rPr lang="bg-BG" sz="2000" dirty="0" smtClean="0">
+                <a:solidFill>
+                  <a:schemeClr val="bg1">
+                    <a:lumMod val="95000"/>
+                  </a:schemeClr>
+                </a:solidFill>
+              </a:rPr>
+              <a:t>-тия символ от стринга, като резултат. </a:t>
+            </a:r>
+            <a:r>
+              <a:rPr lang="bg-BG" sz="3600" dirty="0" smtClean="0">
+                <a:solidFill>
+                  <a:srgbClr val="FF0000"/>
+                </a:solidFill>
+              </a:rPr>
+              <a:t>*</a:t>
+            </a:r>
+            <a:endParaRPr lang="ru-RU" sz="2000" dirty="0">
+              <a:solidFill>
+                <a:srgbClr val="FF0000"/>
+              </a:solidFill>
+            </a:endParaRPr>
+          </a:p>
+          <a:p>
+            <a:pPr>
+              <a:buFont typeface="Wingdings" panose="05000000000000000000" pitchFamily="2" charset="2"/>
+              <a:buChar char="§"/>
+            </a:pPr>
+            <a:endParaRPr lang="ru-RU" sz="2000" dirty="0">
+              <a:solidFill>
+                <a:schemeClr val="bg1">
+                  <a:lumMod val="95000"/>
+                </a:schemeClr>
+              </a:solidFill>
+            </a:endParaRPr>
+          </a:p>
+        </p:txBody>
+      </p:sp>
+    </p:spTree>
+    <p:extLst>
+      <p:ext uri="{BB962C8B-B14F-4D97-AF65-F5344CB8AC3E}">
+        <p14:creationId xmlns:p14="http://schemas.microsoft.com/office/powerpoint/2010/main" val="3357153841"/>
       </p:ext>
     </p:extLst>
   </p:cSld>
